--- a/reports/report_pptx.pptx
+++ b/reports/report_pptx.pptx
@@ -206,7 +206,7 @@
           <a:p>
             <a:fld id="{E3E56CAE-EC09-AE45-BA46-EDCF90374AE7}" type="datetimeFigureOut">
               <a:rPr lang="en-US" smtClean="0"/>
-              <a:t>8/4/25</a:t>
+              <a:t>8/15/25</a:t>
             </a:fld>
             <a:endParaRPr lang="en-US"/>
           </a:p>
@@ -1253,7 +1253,7 @@
             <a:fld id="{87DE6118-2437-4B30-8E3C-4D2BE6020583}" type="datetimeFigureOut">
               <a:rPr lang="en-US" dirty="0"/>
               <a:pPr/>
-              <a:t>8/4/25</a:t>
+              <a:t>8/15/25</a:t>
             </a:fld>
             <a:endParaRPr lang="en-US" dirty="0"/>
           </a:p>
@@ -1579,7 +1579,7 @@
           <a:p>
             <a:fld id="{87DE6118-2437-4B30-8E3C-4D2BE6020583}" type="datetimeFigureOut">
               <a:rPr lang="en-US" dirty="0"/>
-              <a:t>8/4/25</a:t>
+              <a:t>8/15/25</a:t>
             </a:fld>
             <a:endParaRPr lang="en-US" dirty="0"/>
           </a:p>
@@ -1754,7 +1754,7 @@
           <a:p>
             <a:fld id="{87DE6118-2437-4B30-8E3C-4D2BE6020583}" type="datetimeFigureOut">
               <a:rPr lang="en-US" dirty="0"/>
-              <a:t>8/4/25</a:t>
+              <a:t>8/15/25</a:t>
             </a:fld>
             <a:endParaRPr lang="en-US" dirty="0"/>
           </a:p>
@@ -1919,7 +1919,7 @@
           <a:p>
             <a:fld id="{87DE6118-2437-4B30-8E3C-4D2BE6020583}" type="datetimeFigureOut">
               <a:rPr lang="en-US" dirty="0"/>
-              <a:t>8/4/25</a:t>
+              <a:t>8/15/25</a:t>
             </a:fld>
             <a:endParaRPr lang="en-US" dirty="0"/>
           </a:p>
@@ -2192,7 +2192,7 @@
             <a:fld id="{87DE6118-2437-4B30-8E3C-4D2BE6020583}" type="datetimeFigureOut">
               <a:rPr lang="en-US" dirty="0"/>
               <a:pPr/>
-              <a:t>8/4/25</a:t>
+              <a:t>8/15/25</a:t>
             </a:fld>
             <a:endParaRPr lang="en-US" dirty="0"/>
           </a:p>
@@ -2582,7 +2582,7 @@
           <a:p>
             <a:fld id="{87DE6118-2437-4B30-8E3C-4D2BE6020583}" type="datetimeFigureOut">
               <a:rPr lang="en-US" dirty="0"/>
-              <a:t>8/4/25</a:t>
+              <a:t>8/15/25</a:t>
             </a:fld>
             <a:endParaRPr lang="en-US" dirty="0"/>
           </a:p>
@@ -3054,7 +3054,7 @@
           <a:p>
             <a:fld id="{87DE6118-2437-4B30-8E3C-4D2BE6020583}" type="datetimeFigureOut">
               <a:rPr lang="en-US" dirty="0"/>
-              <a:t>8/4/25</a:t>
+              <a:t>8/15/25</a:t>
             </a:fld>
             <a:endParaRPr lang="en-US" dirty="0"/>
           </a:p>
@@ -3167,7 +3167,7 @@
           <a:p>
             <a:fld id="{87DE6118-2437-4B30-8E3C-4D2BE6020583}" type="datetimeFigureOut">
               <a:rPr lang="en-US" dirty="0"/>
-              <a:t>8/4/25</a:t>
+              <a:t>8/15/25</a:t>
             </a:fld>
             <a:endParaRPr lang="en-US" dirty="0"/>
           </a:p>
@@ -3257,7 +3257,7 @@
           <a:p>
             <a:fld id="{87DE6118-2437-4B30-8E3C-4D2BE6020583}" type="datetimeFigureOut">
               <a:rPr lang="en-US" dirty="0"/>
-              <a:t>8/4/25</a:t>
+              <a:t>8/15/25</a:t>
             </a:fld>
             <a:endParaRPr lang="en-US" dirty="0"/>
           </a:p>
@@ -3599,7 +3599,7 @@
             <a:fld id="{87DE6118-2437-4B30-8E3C-4D2BE6020583}" type="datetimeFigureOut">
               <a:rPr lang="en-US" dirty="0"/>
               <a:pPr/>
-              <a:t>8/4/25</a:t>
+              <a:t>8/15/25</a:t>
             </a:fld>
             <a:endParaRPr lang="en-US" dirty="0"/>
           </a:p>
@@ -3984,7 +3984,7 @@
             <a:fld id="{87DE6118-2437-4B30-8E3C-4D2BE6020583}" type="datetimeFigureOut">
               <a:rPr lang="en-US" dirty="0"/>
               <a:pPr/>
-              <a:t>8/4/25</a:t>
+              <a:t>8/15/25</a:t>
             </a:fld>
             <a:endParaRPr lang="en-US" dirty="0"/>
           </a:p>
@@ -4259,7 +4259,7 @@
             <a:fld id="{87DE6118-2437-4B30-8E3C-4D2BE6020583}" type="datetimeFigureOut">
               <a:rPr lang="en-US" dirty="0"/>
               <a:pPr/>
-              <a:t>8/4/25</a:t>
+              <a:t>8/15/25</a:t>
             </a:fld>
             <a:endParaRPr lang="en-US" dirty="0"/>
           </a:p>
@@ -5128,29 +5128,6 @@
                 </a:solidFill>
               </a:rPr>
               <a:t>Data Science in Sports</a:t>
-            </a:r>
-          </a:p>
-          <a:p>
-            <a:pPr>
-              <a:spcAft>
-                <a:spcPts val="600"/>
-              </a:spcAft>
-            </a:pPr>
-            <a:r>
-              <a:rPr lang="en-US" dirty="0" err="1">
-                <a:solidFill>
-                  <a:schemeClr val="bg2"/>
-                </a:solidFill>
-              </a:rPr>
-              <a:t>Sucheng</a:t>
-            </a:r>
-            <a:r>
-              <a:rPr lang="en-US" dirty="0">
-                <a:solidFill>
-                  <a:schemeClr val="bg2"/>
-                </a:solidFill>
-              </a:rPr>
-              <a:t> Li</a:t>
             </a:r>
           </a:p>
         </p:txBody>
